--- a/Presentation2.pptx
+++ b/Presentation2.pptx
@@ -28,8 +28,7 @@
     <p:sldId id="272" r:id="rId22"/>
     <p:sldId id="274" r:id="rId23"/>
     <p:sldId id="275" r:id="rId24"/>
-    <p:sldId id="276" r:id="rId25"/>
-    <p:sldId id="277" r:id="rId26"/>
+    <p:sldId id="277" r:id="rId25"/>
   </p:sldIdLst>
   <p:sldSz cx="12192000" cy="6858000"/>
   <p:notesSz cx="6858000" cy="9144000"/>
@@ -4174,43 +4173,87 @@
           <a:chExt cx="0" cy="0"/>
         </a:xfrm>
       </p:grpSpPr>
-    </p:spTree>
-    <p:extLst>
-      <p:ext uri="{BB962C8B-B14F-4D97-AF65-F5344CB8AC3E}">
-        <p14:creationId xmlns:p14="http://schemas.microsoft.com/office/powerpoint/2010/main" val="2878489767"/>
-      </p:ext>
-    </p:extLst>
-  </p:cSld>
-  <p:clrMapOvr>
-    <a:masterClrMapping/>
-  </p:clrMapOvr>
-  <p:timing>
-    <p:tnLst>
-      <p:par>
-        <p:cTn id="1" dur="indefinite" restart="never" nodeType="tmRoot"/>
-      </p:par>
-    </p:tnLst>
-  </p:timing>
-</p:sld>
-</file>
-
-<file path=ppt/slides/slide25.xml><?xml version="1.0" encoding="utf-8"?>
-<p:sld xmlns:a="http://schemas.openxmlformats.org/drawingml/2006/main" xmlns:r="http://schemas.openxmlformats.org/officeDocument/2006/relationships" xmlns:p="http://schemas.openxmlformats.org/presentationml/2006/main">
-  <p:cSld>
-    <p:spTree>
-      <p:nvGrpSpPr>
-        <p:cNvPr id="1" name=""/>
-        <p:cNvGrpSpPr/>
-        <p:nvPr/>
-      </p:nvGrpSpPr>
-      <p:grpSpPr>
-        <a:xfrm>
-          <a:off x="0" y="0"/>
-          <a:ext cx="0" cy="0"/>
-          <a:chOff x="0" y="0"/>
-          <a:chExt cx="0" cy="0"/>
-        </a:xfrm>
-      </p:grpSpPr>
+      <p:sp>
+        <p:nvSpPr>
+          <p:cNvPr id="2" name="Rectangle 1"/>
+          <p:cNvSpPr/>
+          <p:nvPr/>
+        </p:nvSpPr>
+        <p:spPr>
+          <a:xfrm>
+            <a:off x="320511" y="263951"/>
+            <a:ext cx="6412843" cy="707886"/>
+          </a:xfrm>
+          <a:prstGeom prst="rect">
+            <a:avLst/>
+          </a:prstGeom>
+        </p:spPr>
+        <p:txBody>
+          <a:bodyPr wrap="square">
+            <a:spAutoFit/>
+          </a:bodyPr>
+          <a:lstStyle/>
+          <a:p>
+            <a:r>
+              <a:rPr lang="en-IN" sz="4000" b="1" dirty="0" smtClean="0">
+                <a:solidFill>
+                  <a:srgbClr val="0D0D0D"/>
+                </a:solidFill>
+                <a:latin typeface="Söhne"/>
+              </a:rPr>
+              <a:t>Conclusion:</a:t>
+            </a:r>
+            <a:endParaRPr lang="en-IN" sz="4000" b="1" dirty="0"/>
+          </a:p>
+        </p:txBody>
+      </p:sp>
+      <p:sp>
+        <p:nvSpPr>
+          <p:cNvPr id="3" name="Rectangle 2"/>
+          <p:cNvSpPr/>
+          <p:nvPr/>
+        </p:nvSpPr>
+        <p:spPr>
+          <a:xfrm>
+            <a:off x="725864" y="1555424"/>
+            <a:ext cx="10605155" cy="2677656"/>
+          </a:xfrm>
+          <a:prstGeom prst="rect">
+            <a:avLst/>
+          </a:prstGeom>
+        </p:spPr>
+        <p:txBody>
+          <a:bodyPr wrap="square">
+            <a:spAutoFit/>
+          </a:bodyPr>
+          <a:lstStyle/>
+          <a:p>
+            <a:pPr marL="285750" indent="-285750">
+              <a:buFont typeface="Arial" panose="020B0604020202020204" pitchFamily="34" charset="0"/>
+              <a:buChar char="•"/>
+            </a:pPr>
+            <a:r>
+              <a:rPr lang="en-US" sz="2800" dirty="0">
+                <a:solidFill>
+                  <a:srgbClr val="0D0D0D"/>
+                </a:solidFill>
+                <a:latin typeface="Söhne"/>
+              </a:rPr>
+              <a:t>our project represents a significant step forward in leveraging data-driven approaches to address challenges in the lending industry. By harnessing the power of predictive analytics, we are empowering lending institutions to make informed decisions, mitigate risks, and drive positive outcomes for clients and stakeholders </a:t>
+            </a:r>
+            <a:r>
+              <a:rPr lang="en-US" sz="2800" dirty="0" smtClean="0">
+                <a:solidFill>
+                  <a:srgbClr val="0D0D0D"/>
+                </a:solidFill>
+                <a:latin typeface="Söhne"/>
+              </a:rPr>
+              <a:t>alike.</a:t>
+            </a:r>
+            <a:endParaRPr lang="en-IN" sz="2800" dirty="0"/>
+          </a:p>
+        </p:txBody>
+      </p:sp>
     </p:spTree>
     <p:extLst>
       <p:ext uri="{BB962C8B-B14F-4D97-AF65-F5344CB8AC3E}">
@@ -4712,7 +4755,7 @@
         <p:spPr>
           <a:xfrm>
             <a:off x="1008668" y="669303"/>
-            <a:ext cx="9464511" cy="5632311"/>
+            <a:ext cx="9464511" cy="5324535"/>
           </a:xfrm>
           <a:prstGeom prst="rect">
             <a:avLst/>
@@ -4755,12 +4798,25 @@
             </a:r>
             <a:r>
               <a:rPr lang="en-US" sz="2000" dirty="0"/>
-              <a:t> Encountered data imbalance within the 'Target' feature. To address this issue, we implemented the SMOTETomek oversampling method, ensuring our dataset is well-balanced</a:t>
+              <a:t> Encountered data imbalance within the 'Target' feature. To address this issue, we </a:t>
             </a:r>
             <a:r>
               <a:rPr lang="en-US" sz="2000" dirty="0" smtClean="0"/>
+              <a:t>  implemented </a:t>
+            </a:r>
+            <a:r>
+              <a:rPr lang="en-US" sz="2000" dirty="0"/>
+              <a:t>the SMOTETomek oversampling </a:t>
+            </a:r>
+            <a:r>
+              <a:rPr lang="en-US" sz="2000" dirty="0" smtClean="0"/>
+              <a:t>method</a:t>
+            </a:r>
+            <a:r>
+              <a:rPr lang="en-US" sz="2000" dirty="0"/>
               <a:t>.</a:t>
             </a:r>
+            <a:endParaRPr lang="en-US" sz="2000" dirty="0" smtClean="0"/>
           </a:p>
           <a:p>
             <a:pPr marL="342900" indent="-342900">
@@ -4795,15 +4851,7 @@
             </a:r>
             <a:r>
               <a:rPr lang="en-US" sz="2000" dirty="0" smtClean="0"/>
-              <a:t>and </a:t>
-            </a:r>
-            <a:r>
-              <a:rPr lang="en-US" sz="2000" dirty="0" err="1" smtClean="0"/>
-              <a:t>Xgb</a:t>
-            </a:r>
-            <a:r>
-              <a:rPr lang="en-US" sz="2000" smtClean="0"/>
-              <a:t> boosting </a:t>
+              <a:t>and Xgb boosting </a:t>
             </a:r>
             <a:r>
               <a:rPr lang="en-US" sz="2000" dirty="0"/>
@@ -4830,12 +4878,12 @@
               <a:t>Tune </a:t>
             </a:r>
             <a:r>
-              <a:rPr lang="en-US" sz="2000" dirty="0" err="1"/>
-              <a:t>hyperparameters</a:t>
+              <a:rPr lang="en-US" sz="2000" dirty="0" smtClean="0"/>
+              <a:t>hyper parameters </a:t>
             </a:r>
             <a:r>
               <a:rPr lang="en-US" sz="2000" dirty="0"/>
-              <a:t> to optimize model performance</a:t>
+              <a:t>to optimize model performance</a:t>
             </a:r>
             <a:r>
               <a:rPr lang="en-US" sz="2000" dirty="0" smtClean="0"/>
@@ -4887,7 +4935,6 @@
               <a:rPr lang="en-US" sz="2000" dirty="0"/>
               <a:t>Utilize techniques like ROC curves and AUC-ROC scores for binary classification evaluation.</a:t>
             </a:r>
-            <a:endParaRPr lang="en-US" sz="2000" dirty="0"/>
           </a:p>
         </p:txBody>
       </p:sp>
